--- a/DsDotNet/src/UnitTest/UnitTest.Model/ImportOfficeExample/demo/ppt/Lib/Conveyor/CV_JobClear.pptx
+++ b/DsDotNet/src/UnitTest/UnitTest.Model/ImportOfficeExample/demo/ppt/Lib/Conveyor/CV_JobClear.pptx
@@ -4002,7 +4002,7 @@
           <a:effectLst/>
           <a:extLst>
             <a:ext uri="{91240B29-F687-4f45-9708-019B960494DF}">
-              <a14:hiddenLine xmlns:a14="http://schemas.microsoft.com/office/drawing/2010/main" xmlns="" w="9525">
+              <a14:hiddenLine xmlns="" xmlns:a14="http://schemas.microsoft.com/office/drawing/2010/main" w="9525">
                 <a:solidFill>
                   <a:srgbClr val="000000"/>
                 </a:solidFill>
@@ -4194,7 +4194,7 @@
           <a:p>
             <a:fld id="{3E1D827B-9946-4E0D-97BA-FFCB17A9AF00}" type="datetimeFigureOut">
               <a:rPr lang="ko-KR" altLang="en-US" smtClean="0"/>
-              <a:t>2023-10-04</a:t>
+              <a:t>2023-11-22</a:t>
             </a:fld>
             <a:endParaRPr lang="ko-KR" altLang="en-US"/>
           </a:p>
@@ -4512,7 +4512,7 @@
           <a:p>
             <a:fld id="{3E1D827B-9946-4E0D-97BA-FFCB17A9AF00}" type="datetimeFigureOut">
               <a:rPr lang="ko-KR" altLang="en-US" smtClean="0"/>
-              <a:t>2023-10-04</a:t>
+              <a:t>2023-11-22</a:t>
             </a:fld>
             <a:endParaRPr lang="ko-KR" altLang="en-US"/>
           </a:p>
@@ -5000,7 +5000,7 @@
           <a:p>
             <a:fld id="{3E1D827B-9946-4E0D-97BA-FFCB17A9AF00}" type="datetimeFigureOut">
               <a:rPr lang="ko-KR" altLang="en-US" smtClean="0"/>
-              <a:t>2023-10-04</a:t>
+              <a:t>2023-11-22</a:t>
             </a:fld>
             <a:endParaRPr lang="ko-KR" altLang="en-US"/>
           </a:p>
@@ -5369,7 +5369,7 @@
           <a:p>
             <a:fld id="{3E1D827B-9946-4E0D-97BA-FFCB17A9AF00}" type="datetimeFigureOut">
               <a:rPr lang="ko-KR" altLang="en-US" smtClean="0"/>
-              <a:t>2023-10-04</a:t>
+              <a:t>2023-11-22</a:t>
             </a:fld>
             <a:endParaRPr lang="ko-KR" altLang="en-US"/>
           </a:p>
@@ -5524,7 +5524,7 @@
           <a:ln/>
           <a:extLst>
             <a:ext uri="{91240B29-F687-4f45-9708-019B960494DF}">
-              <a14:hiddenLine xmlns:a14="http://schemas.microsoft.com/office/drawing/2010/main" xmlns="" w="9525">
+              <a14:hiddenLine xmlns="" xmlns:a14="http://schemas.microsoft.com/office/drawing/2010/main" w="9525">
                 <a:solidFill>
                   <a:srgbClr val="000000"/>
                 </a:solidFill>
@@ -5642,7 +5642,7 @@
           <a:p>
             <a:fld id="{3E1D827B-9946-4E0D-97BA-FFCB17A9AF00}" type="datetimeFigureOut">
               <a:rPr lang="ko-KR" altLang="en-US" smtClean="0"/>
-              <a:t>2023-10-04</a:t>
+              <a:t>2023-11-22</a:t>
             </a:fld>
             <a:endParaRPr lang="ko-KR" altLang="en-US"/>
           </a:p>
@@ -5799,7 +5799,7 @@
           <a:ln/>
           <a:extLst>
             <a:ext uri="{91240B29-F687-4f45-9708-019B960494DF}">
-              <a14:hiddenLine xmlns:a14="http://schemas.microsoft.com/office/drawing/2010/main" xmlns="" w="9525">
+              <a14:hiddenLine xmlns="" xmlns:a14="http://schemas.microsoft.com/office/drawing/2010/main" w="9525">
                 <a:solidFill>
                   <a:srgbClr val="000000"/>
                 </a:solidFill>
@@ -5927,7 +5927,7 @@
           <a:p>
             <a:fld id="{3E1D827B-9946-4E0D-97BA-FFCB17A9AF00}" type="datetimeFigureOut">
               <a:rPr lang="ko-KR" altLang="en-US" smtClean="0"/>
-              <a:t>2023-10-04</a:t>
+              <a:t>2023-11-22</a:t>
             </a:fld>
             <a:endParaRPr lang="ko-KR" altLang="en-US"/>
           </a:p>
@@ -6022,7 +6022,7 @@
           <a:p>
             <a:fld id="{3E1D827B-9946-4E0D-97BA-FFCB17A9AF00}" type="datetimeFigureOut">
               <a:rPr lang="ko-KR" altLang="en-US" smtClean="0"/>
-              <a:t>2023-10-04</a:t>
+              <a:t>2023-11-22</a:t>
             </a:fld>
             <a:endParaRPr lang="ko-KR" altLang="en-US"/>
           </a:p>
@@ -6247,7 +6247,7 @@
           <a:ln/>
           <a:extLst>
             <a:ext uri="{91240B29-F687-4f45-9708-019B960494DF}">
-              <a14:hiddenLine xmlns:a14="http://schemas.microsoft.com/office/drawing/2010/main" xmlns="" w="9525">
+              <a14:hiddenLine xmlns="" xmlns:a14="http://schemas.microsoft.com/office/drawing/2010/main" w="9525">
                 <a:solidFill>
                   <a:srgbClr val="000000"/>
                 </a:solidFill>
@@ -6375,7 +6375,7 @@
           <a:p>
             <a:fld id="{3E1D827B-9946-4E0D-97BA-FFCB17A9AF00}" type="datetimeFigureOut">
               <a:rPr lang="ko-KR" altLang="en-US" smtClean="0"/>
-              <a:t>2023-10-04</a:t>
+              <a:t>2023-11-22</a:t>
             </a:fld>
             <a:endParaRPr lang="ko-KR" altLang="en-US"/>
           </a:p>
@@ -6718,7 +6718,7 @@
           <a:p>
             <a:fld id="{3E1D827B-9946-4E0D-97BA-FFCB17A9AF00}" type="datetimeFigureOut">
               <a:rPr lang="ko-KR" altLang="en-US" smtClean="0"/>
-              <a:t>2023-10-04</a:t>
+              <a:t>2023-11-22</a:t>
             </a:fld>
             <a:endParaRPr lang="ko-KR" altLang="en-US"/>
           </a:p>
@@ -6873,7 +6873,7 @@
           <a:ln/>
           <a:extLst>
             <a:ext uri="{91240B29-F687-4f45-9708-019B960494DF}">
-              <a14:hiddenLine xmlns:a14="http://schemas.microsoft.com/office/drawing/2010/main" xmlns="" w="9525">
+              <a14:hiddenLine xmlns="" xmlns:a14="http://schemas.microsoft.com/office/drawing/2010/main" w="9525">
                 <a:solidFill>
                   <a:srgbClr val="000000"/>
                 </a:solidFill>
@@ -7057,7 +7057,7 @@
           <a:p>
             <a:fld id="{3E1D827B-9946-4E0D-97BA-FFCB17A9AF00}" type="datetimeFigureOut">
               <a:rPr lang="ko-KR" altLang="en-US" smtClean="0"/>
-              <a:t>2023-10-04</a:t>
+              <a:t>2023-11-22</a:t>
             </a:fld>
             <a:endParaRPr lang="ko-KR" altLang="en-US"/>
           </a:p>
@@ -7217,7 +7217,7 @@
           <a:ln/>
           <a:extLst>
             <a:ext uri="{91240B29-F687-4f45-9708-019B960494DF}">
-              <a14:hiddenLine xmlns:a14="http://schemas.microsoft.com/office/drawing/2010/main" xmlns="" w="9525">
+              <a14:hiddenLine xmlns="" xmlns:a14="http://schemas.microsoft.com/office/drawing/2010/main" w="9525">
                 <a:solidFill>
                   <a:srgbClr val="000000"/>
                 </a:solidFill>
@@ -7539,7 +7539,7 @@
           <a:p>
             <a:fld id="{3E1D827B-9946-4E0D-97BA-FFCB17A9AF00}" type="datetimeFigureOut">
               <a:rPr lang="ko-KR" altLang="en-US" smtClean="0"/>
-              <a:t>2023-10-04</a:t>
+              <a:t>2023-11-22</a:t>
             </a:fld>
             <a:endParaRPr lang="ko-KR" altLang="en-US"/>
           </a:p>
@@ -7699,7 +7699,7 @@
           <a:ln/>
           <a:extLst>
             <a:ext uri="{91240B29-F687-4f45-9708-019B960494DF}">
-              <a14:hiddenLine xmlns:a14="http://schemas.microsoft.com/office/drawing/2010/main" xmlns="" w="9525">
+              <a14:hiddenLine xmlns="" xmlns:a14="http://schemas.microsoft.com/office/drawing/2010/main" w="9525">
                 <a:solidFill>
                   <a:srgbClr val="000000"/>
                 </a:solidFill>
@@ -7765,7 +7765,7 @@
           <a:p>
             <a:fld id="{3E1D827B-9946-4E0D-97BA-FFCB17A9AF00}" type="datetimeFigureOut">
               <a:rPr lang="ko-KR" altLang="en-US" smtClean="0"/>
-              <a:t>2023-10-04</a:t>
+              <a:t>2023-11-22</a:t>
             </a:fld>
             <a:endParaRPr lang="ko-KR" altLang="en-US"/>
           </a:p>
@@ -7860,7 +7860,7 @@
           <a:p>
             <a:fld id="{3E1D827B-9946-4E0D-97BA-FFCB17A9AF00}" type="datetimeFigureOut">
               <a:rPr lang="ko-KR" altLang="en-US" smtClean="0"/>
-              <a:t>2023-10-04</a:t>
+              <a:t>2023-11-22</a:t>
             </a:fld>
             <a:endParaRPr lang="ko-KR" altLang="en-US"/>
           </a:p>
@@ -8128,7 +8128,7 @@
           <a:ln/>
           <a:extLst>
             <a:ext uri="{91240B29-F687-4f45-9708-019B960494DF}">
-              <a14:hiddenLine xmlns:a14="http://schemas.microsoft.com/office/drawing/2010/main" xmlns="" w="9525">
+              <a14:hiddenLine xmlns="" xmlns:a14="http://schemas.microsoft.com/office/drawing/2010/main" w="9525">
                 <a:solidFill>
                   <a:srgbClr val="000000"/>
                 </a:solidFill>
@@ -8327,7 +8327,7 @@
           <a:p>
             <a:fld id="{3E1D827B-9946-4E0D-97BA-FFCB17A9AF00}" type="datetimeFigureOut">
               <a:rPr lang="ko-KR" altLang="en-US" smtClean="0"/>
-              <a:t>2023-10-04</a:t>
+              <a:t>2023-11-22</a:t>
             </a:fld>
             <a:endParaRPr lang="ko-KR" altLang="en-US"/>
           </a:p>
@@ -8645,7 +8645,7 @@
           <a:p>
             <a:fld id="{3E1D827B-9946-4E0D-97BA-FFCB17A9AF00}" type="datetimeFigureOut">
               <a:rPr lang="ko-KR" altLang="en-US" smtClean="0"/>
-              <a:t>2023-10-04</a:t>
+              <a:t>2023-11-22</a:t>
             </a:fld>
             <a:endParaRPr lang="ko-KR" altLang="en-US"/>
           </a:p>
@@ -8915,7 +8915,7 @@
           <a:p>
             <a:fld id="{3E1D827B-9946-4E0D-97BA-FFCB17A9AF00}" type="datetimeFigureOut">
               <a:rPr lang="ko-KR" altLang="en-US" smtClean="0"/>
-              <a:t>2023-10-04</a:t>
+              <a:t>2023-11-22</a:t>
             </a:fld>
             <a:endParaRPr lang="ko-KR" altLang="en-US"/>
           </a:p>
@@ -9475,7 +9475,6 @@
           <a:bodyPr/>
           <a:lstStyle/>
           <a:p>
-            <a:pPr algn="ctr"/>
             <a:r>
               <a:rPr lang="en-US" altLang="ko-KR" sz="2400" dirty="0">
                 <a:solidFill>
@@ -9506,7 +9505,7 @@
         </p:nvSpPr>
         <p:spPr>
           <a:xfrm>
-            <a:off x="2909937" y="1301120"/>
+            <a:off x="3463611" y="3129239"/>
             <a:ext cx="1350913" cy="338529"/>
           </a:xfrm>
           <a:prstGeom prst="rect">
@@ -9575,7 +9574,7 @@
         </p:nvCxnSpPr>
         <p:spPr>
           <a:xfrm flipV="1">
-            <a:off x="4260850" y="1470384"/>
+            <a:off x="4814524" y="3298503"/>
             <a:ext cx="540280" cy="1"/>
           </a:xfrm>
           <a:prstGeom prst="bentConnector3">
@@ -9617,7 +9616,7 @@
         </p:nvSpPr>
         <p:spPr>
           <a:xfrm>
-            <a:off x="253377" y="104588"/>
+            <a:off x="345656" y="3686687"/>
             <a:ext cx="1587500" cy="477059"/>
           </a:xfrm>
           <a:prstGeom prst="homePlate">
@@ -9704,7 +9703,7 @@
         </p:nvSpPr>
         <p:spPr>
           <a:xfrm>
-            <a:off x="253377" y="704120"/>
+            <a:off x="345656" y="4286219"/>
             <a:ext cx="1587500" cy="477059"/>
           </a:xfrm>
           <a:prstGeom prst="homePlate">
@@ -9775,7 +9774,7 @@
         </p:nvSpPr>
         <p:spPr>
           <a:xfrm>
-            <a:off x="4801130" y="1301119"/>
+            <a:off x="5354804" y="3129238"/>
             <a:ext cx="1350913" cy="338529"/>
           </a:xfrm>
           <a:prstGeom prst="rect">
@@ -9836,7 +9835,7 @@
         </p:nvSpPr>
         <p:spPr>
           <a:xfrm>
-            <a:off x="4801129" y="2461948"/>
+            <a:off x="5354803" y="4290067"/>
             <a:ext cx="1350913" cy="338529"/>
           </a:xfrm>
           <a:prstGeom prst="rect">
@@ -9897,7 +9896,7 @@
         </p:nvSpPr>
         <p:spPr>
           <a:xfrm>
-            <a:off x="2909937" y="2461949"/>
+            <a:off x="3463611" y="4290068"/>
             <a:ext cx="1350913" cy="338529"/>
           </a:xfrm>
           <a:prstGeom prst="rect">
@@ -9966,7 +9965,7 @@
         </p:nvCxnSpPr>
         <p:spPr>
           <a:xfrm flipV="1">
-            <a:off x="4260850" y="2631213"/>
+            <a:off x="4814524" y="4459332"/>
             <a:ext cx="540279" cy="1"/>
           </a:xfrm>
           <a:prstGeom prst="bentConnector3">
@@ -10012,7 +10011,7 @@
         </p:nvCxnSpPr>
         <p:spPr>
           <a:xfrm rot="5400000">
-            <a:off x="4643076" y="1797701"/>
+            <a:off x="5196750" y="3625820"/>
             <a:ext cx="991565" cy="675458"/>
           </a:xfrm>
           <a:prstGeom prst="bentConnector4">
@@ -10055,7 +10054,7 @@
         </p:nvSpPr>
         <p:spPr>
           <a:xfrm>
-            <a:off x="253377" y="1266926"/>
+            <a:off x="345656" y="4849025"/>
             <a:ext cx="1587500" cy="477059"/>
           </a:xfrm>
           <a:prstGeom prst="homePlate">
@@ -10117,7 +10116,7 @@
         </p:nvSpPr>
         <p:spPr>
           <a:xfrm>
-            <a:off x="2909937" y="3159435"/>
+            <a:off x="3463611" y="4987554"/>
             <a:ext cx="1350913" cy="338529"/>
           </a:xfrm>
           <a:prstGeom prst="rect">
@@ -10185,7 +10184,7 @@
         </p:nvCxnSpPr>
         <p:spPr>
           <a:xfrm rot="5400000" flipH="1">
-            <a:off x="3163034" y="3075604"/>
+            <a:off x="3716708" y="4903723"/>
             <a:ext cx="169264" cy="675457"/>
           </a:xfrm>
           <a:prstGeom prst="bentConnector4">
@@ -10232,7 +10231,7 @@
         </p:nvCxnSpPr>
         <p:spPr>
           <a:xfrm flipV="1">
-            <a:off x="4260850" y="2800477"/>
+            <a:off x="4814524" y="4628596"/>
             <a:ext cx="1215736" cy="528223"/>
           </a:xfrm>
           <a:prstGeom prst="straightConnector1">
